--- a/FGCS-2019/reworked-fig5.pptx
+++ b/FGCS-2019/reworked-fig5.pptx
@@ -288,7 +288,7 @@
           <a:p>
             <a:fld id="{2DE544F1-4EB3-B943-BAC8-4587CDEC2BDB}" type="datetimeFigureOut">
               <a:rPr lang="en-US" smtClean="0"/>
-              <a:t>9/4/19</a:t>
+              <a:t>10/16/19</a:t>
             </a:fld>
             <a:endParaRPr lang="en-US"/>
           </a:p>
@@ -486,7 +486,7 @@
           <a:p>
             <a:fld id="{2DE544F1-4EB3-B943-BAC8-4587CDEC2BDB}" type="datetimeFigureOut">
               <a:rPr lang="en-US" smtClean="0"/>
-              <a:t>9/4/19</a:t>
+              <a:t>10/16/19</a:t>
             </a:fld>
             <a:endParaRPr lang="en-US"/>
           </a:p>
@@ -694,7 +694,7 @@
           <a:p>
             <a:fld id="{2DE544F1-4EB3-B943-BAC8-4587CDEC2BDB}" type="datetimeFigureOut">
               <a:rPr lang="en-US" smtClean="0"/>
-              <a:t>9/4/19</a:t>
+              <a:t>10/16/19</a:t>
             </a:fld>
             <a:endParaRPr lang="en-US"/>
           </a:p>
@@ -892,7 +892,7 @@
           <a:p>
             <a:fld id="{2DE544F1-4EB3-B943-BAC8-4587CDEC2BDB}" type="datetimeFigureOut">
               <a:rPr lang="en-US" smtClean="0"/>
-              <a:t>9/4/19</a:t>
+              <a:t>10/16/19</a:t>
             </a:fld>
             <a:endParaRPr lang="en-US"/>
           </a:p>
@@ -1167,7 +1167,7 @@
           <a:p>
             <a:fld id="{2DE544F1-4EB3-B943-BAC8-4587CDEC2BDB}" type="datetimeFigureOut">
               <a:rPr lang="en-US" smtClean="0"/>
-              <a:t>9/4/19</a:t>
+              <a:t>10/16/19</a:t>
             </a:fld>
             <a:endParaRPr lang="en-US"/>
           </a:p>
@@ -1432,7 +1432,7 @@
           <a:p>
             <a:fld id="{2DE544F1-4EB3-B943-BAC8-4587CDEC2BDB}" type="datetimeFigureOut">
               <a:rPr lang="en-US" smtClean="0"/>
-              <a:t>9/4/19</a:t>
+              <a:t>10/16/19</a:t>
             </a:fld>
             <a:endParaRPr lang="en-US"/>
           </a:p>
@@ -1844,7 +1844,7 @@
           <a:p>
             <a:fld id="{2DE544F1-4EB3-B943-BAC8-4587CDEC2BDB}" type="datetimeFigureOut">
               <a:rPr lang="en-US" smtClean="0"/>
-              <a:t>9/4/19</a:t>
+              <a:t>10/16/19</a:t>
             </a:fld>
             <a:endParaRPr lang="en-US"/>
           </a:p>
@@ -1985,7 +1985,7 @@
           <a:p>
             <a:fld id="{2DE544F1-4EB3-B943-BAC8-4587CDEC2BDB}" type="datetimeFigureOut">
               <a:rPr lang="en-US" smtClean="0"/>
-              <a:t>9/4/19</a:t>
+              <a:t>10/16/19</a:t>
             </a:fld>
             <a:endParaRPr lang="en-US"/>
           </a:p>
@@ -2098,7 +2098,7 @@
           <a:p>
             <a:fld id="{2DE544F1-4EB3-B943-BAC8-4587CDEC2BDB}" type="datetimeFigureOut">
               <a:rPr lang="en-US" smtClean="0"/>
-              <a:t>9/4/19</a:t>
+              <a:t>10/16/19</a:t>
             </a:fld>
             <a:endParaRPr lang="en-US"/>
           </a:p>
@@ -2409,7 +2409,7 @@
           <a:p>
             <a:fld id="{2DE544F1-4EB3-B943-BAC8-4587CDEC2BDB}" type="datetimeFigureOut">
               <a:rPr lang="en-US" smtClean="0"/>
-              <a:t>9/4/19</a:t>
+              <a:t>10/16/19</a:t>
             </a:fld>
             <a:endParaRPr lang="en-US"/>
           </a:p>
@@ -2697,7 +2697,7 @@
           <a:p>
             <a:fld id="{2DE544F1-4EB3-B943-BAC8-4587CDEC2BDB}" type="datetimeFigureOut">
               <a:rPr lang="en-US" smtClean="0"/>
-              <a:t>9/4/19</a:t>
+              <a:t>10/16/19</a:t>
             </a:fld>
             <a:endParaRPr lang="en-US"/>
           </a:p>
@@ -2938,7 +2938,7 @@
           <a:p>
             <a:fld id="{2DE544F1-4EB3-B943-BAC8-4587CDEC2BDB}" type="datetimeFigureOut">
               <a:rPr lang="en-US" smtClean="0"/>
-              <a:t>9/4/19</a:t>
+              <a:t>10/16/19</a:t>
             </a:fld>
             <a:endParaRPr lang="en-US"/>
           </a:p>
@@ -5535,6 +5535,122 @@
           </a:p>
         </p:txBody>
       </p:sp>
+      <p:grpSp>
+        <p:nvGrpSpPr>
+          <p:cNvPr id="59" name="Group 58">
+            <a:extLst>
+              <a:ext uri="{FF2B5EF4-FFF2-40B4-BE49-F238E27FC236}">
+                <a16:creationId xmlns:a16="http://schemas.microsoft.com/office/drawing/2014/main" id="{ED9AD597-5FA3-AF4A-AC52-0DECA29C7DEA}"/>
+              </a:ext>
+            </a:extLst>
+          </p:cNvPr>
+          <p:cNvGrpSpPr/>
+          <p:nvPr/>
+        </p:nvGrpSpPr>
+        <p:grpSpPr>
+          <a:xfrm>
+            <a:off x="4917532" y="5336063"/>
+            <a:ext cx="394531" cy="394531"/>
+            <a:chOff x="2397512" y="1594624"/>
+            <a:chExt cx="635620" cy="635620"/>
+          </a:xfrm>
+        </p:grpSpPr>
+        <p:sp>
+          <p:nvSpPr>
+            <p:cNvPr id="60" name="Oval 59">
+              <a:extLst>
+                <a:ext uri="{FF2B5EF4-FFF2-40B4-BE49-F238E27FC236}">
+                  <a16:creationId xmlns:a16="http://schemas.microsoft.com/office/drawing/2014/main" id="{05FE7881-D243-1B46-9B98-783371DBB2B6}"/>
+                </a:ext>
+              </a:extLst>
+            </p:cNvPr>
+            <p:cNvSpPr/>
+            <p:nvPr/>
+          </p:nvSpPr>
+          <p:spPr>
+            <a:xfrm>
+              <a:off x="2397512" y="1594624"/>
+              <a:ext cx="635620" cy="635620"/>
+            </a:xfrm>
+            <a:prstGeom prst="ellipse">
+              <a:avLst/>
+            </a:prstGeom>
+            <a:noFill/>
+            <a:ln w="25400">
+              <a:solidFill>
+                <a:schemeClr val="tx1"/>
+              </a:solidFill>
+            </a:ln>
+          </p:spPr>
+          <p:style>
+            <a:lnRef idx="2">
+              <a:schemeClr val="accent1">
+                <a:shade val="50000"/>
+              </a:schemeClr>
+            </a:lnRef>
+            <a:fillRef idx="1">
+              <a:schemeClr val="accent1"/>
+            </a:fillRef>
+            <a:effectRef idx="0">
+              <a:schemeClr val="accent1"/>
+            </a:effectRef>
+            <a:fontRef idx="minor">
+              <a:schemeClr val="lt1"/>
+            </a:fontRef>
+          </p:style>
+          <p:txBody>
+            <a:bodyPr rot="0" spcFirstLastPara="0" vertOverflow="overflow" horzOverflow="overflow" vert="horz" wrap="square" lIns="56757" tIns="28378" rIns="56757" bIns="28378" numCol="1" spcCol="0" rtlCol="0" fromWordArt="0" anchor="ctr" anchorCtr="0" forceAA="0" compatLnSpc="1">
+              <a:prstTxWarp prst="textNoShape">
+                <a:avLst/>
+              </a:prstTxWarp>
+              <a:noAutofit/>
+            </a:bodyPr>
+            <a:lstStyle/>
+            <a:p>
+              <a:pPr algn="ctr"/>
+              <a:endParaRPr lang="en-US" sz="1200">
+                <a:latin typeface="+mj-lt"/>
+                <a:cs typeface="Times New Roman" panose="02020603050405020304" pitchFamily="18" charset="0"/>
+              </a:endParaRPr>
+            </a:p>
+          </p:txBody>
+        </p:sp>
+        <p:sp>
+          <p:nvSpPr>
+            <p:cNvPr id="61" name="TextBox 60">
+              <a:extLst>
+                <a:ext uri="{FF2B5EF4-FFF2-40B4-BE49-F238E27FC236}">
+                  <a16:creationId xmlns:a16="http://schemas.microsoft.com/office/drawing/2014/main" id="{A2B421EF-13E5-1944-9DC4-E1905B861B5A}"/>
+                </a:ext>
+              </a:extLst>
+            </p:cNvPr>
+            <p:cNvSpPr txBox="1"/>
+            <p:nvPr/>
+          </p:nvSpPr>
+          <p:spPr>
+            <a:xfrm>
+              <a:off x="2506770" y="1727768"/>
+              <a:ext cx="297616" cy="446267"/>
+            </a:xfrm>
+            <a:prstGeom prst="rect">
+              <a:avLst/>
+            </a:prstGeom>
+            <a:noFill/>
+          </p:spPr>
+          <p:txBody>
+            <a:bodyPr wrap="none" rtlCol="0">
+              <a:spAutoFit/>
+            </a:bodyPr>
+            <a:lstStyle/>
+            <a:p>
+              <a:endParaRPr lang="en-US" sz="1200" dirty="0">
+                <a:latin typeface="+mj-lt"/>
+                <a:cs typeface="Times New Roman" panose="02020603050405020304" pitchFamily="18" charset="0"/>
+              </a:endParaRPr>
+            </a:p>
+          </p:txBody>
+        </p:sp>
+      </p:grpSp>
     </p:spTree>
     <p:extLst>
       <p:ext uri="{BB962C8B-B14F-4D97-AF65-F5344CB8AC3E}">
